--- a/docs/diagrams/UpdateUserStoryStatusSequenceDiagram.pptx
+++ b/docs/diagrams/UpdateUserStoryStatusSequenceDiagram.pptx
@@ -208,7 +208,7 @@
           <a:p>
             <a:fld id="{F5CC4B3F-88C1-4FFA-B1B6-F41C21DC6924}" type="datetimeFigureOut">
               <a:rPr lang="en-US" smtClean="0"/>
-              <a:t>4/14/2019</a:t>
+              <a:t>4/15/2019</a:t>
             </a:fld>
             <a:endParaRPr lang="en-US"/>
           </a:p>
@@ -654,7 +654,7 @@
           <a:p>
             <a:fld id="{78C97017-6FC3-485B-9764-EAC9E56C1D49}" type="datetimeFigureOut">
               <a:rPr lang="en-US" smtClean="0"/>
-              <a:t>4/14/2019</a:t>
+              <a:t>4/15/2019</a:t>
             </a:fld>
             <a:endParaRPr lang="en-US"/>
           </a:p>
@@ -822,7 +822,7 @@
           <a:p>
             <a:fld id="{78C97017-6FC3-485B-9764-EAC9E56C1D49}" type="datetimeFigureOut">
               <a:rPr lang="en-US" smtClean="0"/>
-              <a:t>4/14/2019</a:t>
+              <a:t>4/15/2019</a:t>
             </a:fld>
             <a:endParaRPr lang="en-US"/>
           </a:p>
@@ -1000,7 +1000,7 @@
           <a:p>
             <a:fld id="{78C97017-6FC3-485B-9764-EAC9E56C1D49}" type="datetimeFigureOut">
               <a:rPr lang="en-US" smtClean="0"/>
-              <a:t>4/14/2019</a:t>
+              <a:t>4/15/2019</a:t>
             </a:fld>
             <a:endParaRPr lang="en-US"/>
           </a:p>
@@ -1168,7 +1168,7 @@
           <a:p>
             <a:fld id="{78C97017-6FC3-485B-9764-EAC9E56C1D49}" type="datetimeFigureOut">
               <a:rPr lang="en-US" smtClean="0"/>
-              <a:t>4/14/2019</a:t>
+              <a:t>4/15/2019</a:t>
             </a:fld>
             <a:endParaRPr lang="en-US"/>
           </a:p>
@@ -1413,7 +1413,7 @@
           <a:p>
             <a:fld id="{78C97017-6FC3-485B-9764-EAC9E56C1D49}" type="datetimeFigureOut">
               <a:rPr lang="en-US" smtClean="0"/>
-              <a:t>4/14/2019</a:t>
+              <a:t>4/15/2019</a:t>
             </a:fld>
             <a:endParaRPr lang="en-US"/>
           </a:p>
@@ -1698,7 +1698,7 @@
           <a:p>
             <a:fld id="{78C97017-6FC3-485B-9764-EAC9E56C1D49}" type="datetimeFigureOut">
               <a:rPr lang="en-US" smtClean="0"/>
-              <a:t>4/14/2019</a:t>
+              <a:t>4/15/2019</a:t>
             </a:fld>
             <a:endParaRPr lang="en-US"/>
           </a:p>
@@ -2117,7 +2117,7 @@
           <a:p>
             <a:fld id="{78C97017-6FC3-485B-9764-EAC9E56C1D49}" type="datetimeFigureOut">
               <a:rPr lang="en-US" smtClean="0"/>
-              <a:t>4/14/2019</a:t>
+              <a:t>4/15/2019</a:t>
             </a:fld>
             <a:endParaRPr lang="en-US"/>
           </a:p>
@@ -2234,7 +2234,7 @@
           <a:p>
             <a:fld id="{78C97017-6FC3-485B-9764-EAC9E56C1D49}" type="datetimeFigureOut">
               <a:rPr lang="en-US" smtClean="0"/>
-              <a:t>4/14/2019</a:t>
+              <a:t>4/15/2019</a:t>
             </a:fld>
             <a:endParaRPr lang="en-US"/>
           </a:p>
@@ -2329,7 +2329,7 @@
           <a:p>
             <a:fld id="{78C97017-6FC3-485B-9764-EAC9E56C1D49}" type="datetimeFigureOut">
               <a:rPr lang="en-US" smtClean="0"/>
-              <a:t>4/14/2019</a:t>
+              <a:t>4/15/2019</a:t>
             </a:fld>
             <a:endParaRPr lang="en-US"/>
           </a:p>
@@ -2604,7 +2604,7 @@
           <a:p>
             <a:fld id="{78C97017-6FC3-485B-9764-EAC9E56C1D49}" type="datetimeFigureOut">
               <a:rPr lang="en-US" smtClean="0"/>
-              <a:t>4/14/2019</a:t>
+              <a:t>4/15/2019</a:t>
             </a:fld>
             <a:endParaRPr lang="en-US"/>
           </a:p>
@@ -2856,7 +2856,7 @@
           <a:p>
             <a:fld id="{78C97017-6FC3-485B-9764-EAC9E56C1D49}" type="datetimeFigureOut">
               <a:rPr lang="en-US" smtClean="0"/>
-              <a:t>4/14/2019</a:t>
+              <a:t>4/15/2019</a:t>
             </a:fld>
             <a:endParaRPr lang="en-US"/>
           </a:p>
@@ -3067,7 +3067,7 @@
           <a:p>
             <a:fld id="{78C97017-6FC3-485B-9764-EAC9E56C1D49}" type="datetimeFigureOut">
               <a:rPr lang="en-US" smtClean="0"/>
-              <a:t>4/14/2019</a:t>
+              <a:t>4/15/2019</a:t>
             </a:fld>
             <a:endParaRPr lang="en-US"/>
           </a:p>
@@ -3450,8 +3450,8 @@
         </p:nvSpPr>
         <p:spPr>
           <a:xfrm>
-            <a:off x="8717672" y="163017"/>
-            <a:ext cx="3174279" cy="5829159"/>
+            <a:off x="9479307" y="80034"/>
+            <a:ext cx="3174279" cy="6148598"/>
           </a:xfrm>
           <a:prstGeom prst="roundRect">
             <a:avLst>
@@ -3511,8 +3511,8 @@
         </p:nvSpPr>
         <p:spPr>
           <a:xfrm>
-            <a:off x="228600" y="163017"/>
-            <a:ext cx="8454764" cy="5829159"/>
+            <a:off x="-178061" y="114829"/>
+            <a:ext cx="9569294" cy="6151035"/>
           </a:xfrm>
           <a:prstGeom prst="roundRect">
             <a:avLst>
@@ -3634,7 +3634,7 @@
         <p:spPr>
           <a:xfrm>
             <a:off x="1610959" y="907617"/>
-            <a:ext cx="0" cy="4578783"/>
+            <a:ext cx="0" cy="5416983"/>
           </a:xfrm>
           <a:prstGeom prst="line">
             <a:avLst/>
@@ -3670,8 +3670,8 @@
         </p:nvSpPr>
         <p:spPr>
           <a:xfrm>
-            <a:off x="1538950" y="1258310"/>
-            <a:ext cx="188575" cy="3847087"/>
+            <a:off x="1538949" y="1258309"/>
+            <a:ext cx="246155" cy="4854602"/>
           </a:xfrm>
           <a:prstGeom prst="rect">
             <a:avLst/>
@@ -3788,9 +3788,9 @@
           <p:nvPr/>
         </p:nvCxnSpPr>
         <p:spPr>
-          <a:xfrm>
-            <a:off x="4050587" y="907617"/>
-            <a:ext cx="0" cy="1911783"/>
+          <a:xfrm flipH="1">
+            <a:off x="4022731" y="907617"/>
+            <a:ext cx="27856" cy="3281107"/>
           </a:xfrm>
           <a:prstGeom prst="line">
             <a:avLst/>
@@ -3826,8 +3826,8 @@
         </p:nvSpPr>
         <p:spPr>
           <a:xfrm>
-            <a:off x="3957271" y="1365809"/>
-            <a:ext cx="207045" cy="1285073"/>
+            <a:off x="3957271" y="1365808"/>
+            <a:ext cx="186209" cy="1937113"/>
           </a:xfrm>
           <a:prstGeom prst="rect">
             <a:avLst/>
@@ -3879,9 +3879,9 @@
           <p:nvPr/>
         </p:nvCxnSpPr>
         <p:spPr>
-          <a:xfrm flipH="1">
-            <a:off x="7709617" y="2105965"/>
-            <a:ext cx="19289" cy="3380435"/>
+          <a:xfrm>
+            <a:off x="8243485" y="2543397"/>
+            <a:ext cx="2097" cy="3685235"/>
           </a:xfrm>
           <a:prstGeom prst="line">
             <a:avLst/>
@@ -3917,7 +3917,7 @@
         </p:nvSpPr>
         <p:spPr>
           <a:xfrm>
-            <a:off x="7652706" y="2105965"/>
+            <a:off x="8167285" y="2543397"/>
             <a:ext cx="152400" cy="276003"/>
           </a:xfrm>
           <a:prstGeom prst="rect">
@@ -4029,13 +4029,15 @@
       <p:cxnSp>
         <p:nvCxnSpPr>
           <p:cNvPr id="28" name="Straight Arrow Connector 27"/>
-          <p:cNvCxnSpPr/>
+          <p:cNvCxnSpPr>
+            <a:cxnSpLocks/>
+          </p:cNvCxnSpPr>
           <p:nvPr/>
         </p:nvCxnSpPr>
         <p:spPr>
-          <a:xfrm flipV="1">
-            <a:off x="4121714" y="1516963"/>
-            <a:ext cx="922392" cy="1"/>
+          <a:xfrm>
+            <a:off x="4162390" y="1492757"/>
+            <a:ext cx="1557689" cy="14885"/>
           </a:xfrm>
           <a:prstGeom prst="straightConnector1">
             <a:avLst/>
@@ -4070,7 +4072,7 @@
         </p:nvSpPr>
         <p:spPr>
           <a:xfrm>
-            <a:off x="3166922" y="2956101"/>
+            <a:off x="4478178" y="3418504"/>
             <a:ext cx="855809" cy="215444"/>
           </a:xfrm>
           <a:prstGeom prst="rect">
@@ -4105,13 +4107,15 @@
       <p:cxnSp>
         <p:nvCxnSpPr>
           <p:cNvPr id="34" name="Straight Arrow Connector 33"/>
-          <p:cNvCxnSpPr/>
+          <p:cNvCxnSpPr>
+            <a:cxnSpLocks/>
+          </p:cNvCxnSpPr>
           <p:nvPr/>
         </p:nvCxnSpPr>
         <p:spPr>
           <a:xfrm>
-            <a:off x="4146325" y="2587233"/>
-            <a:ext cx="1492974" cy="0"/>
+            <a:off x="4178689" y="3190347"/>
+            <a:ext cx="2114885" cy="10053"/>
           </a:xfrm>
           <a:prstGeom prst="straightConnector1">
             <a:avLst/>
@@ -4150,8 +4154,8 @@
         </p:nvCxnSpPr>
         <p:spPr>
           <a:xfrm>
-            <a:off x="1702520" y="2650882"/>
-            <a:ext cx="2348067" cy="0"/>
+            <a:off x="1778720" y="3276600"/>
+            <a:ext cx="2183680" cy="0"/>
           </a:xfrm>
           <a:prstGeom prst="straightConnector1">
             <a:avLst/>
@@ -4188,7 +4192,7 @@
         </p:nvCxnSpPr>
         <p:spPr>
           <a:xfrm>
-            <a:off x="365976" y="5085726"/>
+            <a:off x="404149" y="6096000"/>
             <a:ext cx="1196051" cy="0"/>
           </a:xfrm>
           <a:prstGeom prst="straightConnector1">
@@ -4226,8 +4230,8 @@
         </p:nvSpPr>
         <p:spPr>
           <a:xfrm>
-            <a:off x="7653313" y="3223645"/>
-            <a:ext cx="118948" cy="2020696"/>
+            <a:off x="7653313" y="3680851"/>
+            <a:ext cx="111731" cy="2262749"/>
           </a:xfrm>
           <a:prstGeom prst="rect">
             <a:avLst/>
@@ -4314,7 +4318,7 @@
         </p:nvSpPr>
         <p:spPr>
           <a:xfrm>
-            <a:off x="3424359" y="4667275"/>
+            <a:off x="4121714" y="5642195"/>
             <a:ext cx="621216" cy="215444"/>
           </a:xfrm>
           <a:prstGeom prst="rect">
@@ -4354,7 +4358,7 @@
         </p:nvSpPr>
         <p:spPr>
           <a:xfrm>
-            <a:off x="414199" y="4835573"/>
+            <a:off x="452372" y="5845847"/>
             <a:ext cx="762000" cy="215444"/>
           </a:xfrm>
           <a:prstGeom prst="rect">
@@ -4388,60 +4392,13 @@
       </p:sp>
       <p:sp>
         <p:nvSpPr>
-          <p:cNvPr id="86" name="Rectangle 85"/>
-          <p:cNvSpPr/>
-          <p:nvPr/>
-        </p:nvSpPr>
-        <p:spPr>
-          <a:xfrm>
-            <a:off x="9268391" y="3617210"/>
-            <a:ext cx="129933" cy="398562"/>
-          </a:xfrm>
-          <a:prstGeom prst="rect">
-            <a:avLst/>
-          </a:prstGeom>
-          <a:solidFill>
-            <a:srgbClr val="7030A0"/>
-          </a:solidFill>
-          <a:ln>
-            <a:solidFill>
-              <a:srgbClr val="7030A0"/>
-            </a:solidFill>
-          </a:ln>
-          <a:effectLst/>
-        </p:spPr>
-        <p:style>
-          <a:lnRef idx="1">
-            <a:schemeClr val="accent3"/>
-          </a:lnRef>
-          <a:fillRef idx="2">
-            <a:schemeClr val="accent3"/>
-          </a:fillRef>
-          <a:effectRef idx="1">
-            <a:schemeClr val="accent3"/>
-          </a:effectRef>
-          <a:fontRef idx="minor">
-            <a:schemeClr val="dk1"/>
-          </a:fontRef>
-        </p:style>
-        <p:txBody>
-          <a:bodyPr rtlCol="0" anchor="ctr"/>
-          <a:lstStyle/>
-          <a:p>
-            <a:pPr algn="ctr"/>
-            <a:endParaRPr lang="en-SG" sz="1400"/>
-          </a:p>
-        </p:txBody>
-      </p:sp>
-      <p:sp>
-        <p:nvSpPr>
           <p:cNvPr id="93" name="TextBox 92"/>
           <p:cNvSpPr txBox="1"/>
           <p:nvPr/>
         </p:nvSpPr>
         <p:spPr>
           <a:xfrm>
-            <a:off x="2724223" y="2353089"/>
+            <a:off x="2253738" y="3057736"/>
             <a:ext cx="925413" cy="215444"/>
           </a:xfrm>
           <a:prstGeom prst="rect">
@@ -4481,7 +4438,7 @@
         </p:nvSpPr>
         <p:spPr>
           <a:xfrm>
-            <a:off x="8759565" y="2819400"/>
+            <a:off x="9715835" y="3334648"/>
             <a:ext cx="841636" cy="300180"/>
           </a:xfrm>
           <a:prstGeom prst="rect">
@@ -4542,7 +4499,7 @@
         </p:nvCxnSpPr>
         <p:spPr>
           <a:xfrm>
-            <a:off x="9200251" y="3110506"/>
+            <a:off x="10118086" y="3567713"/>
             <a:ext cx="18568" cy="2182204"/>
           </a:xfrm>
           <a:prstGeom prst="line">
@@ -4579,8 +4536,8 @@
         </p:nvSpPr>
         <p:spPr>
           <a:xfrm>
-            <a:off x="9097327" y="3415307"/>
-            <a:ext cx="189098" cy="1335230"/>
+            <a:off x="10070098" y="3851968"/>
+            <a:ext cx="133111" cy="459476"/>
           </a:xfrm>
           <a:prstGeom prst="rect">
             <a:avLst/>
@@ -4627,9 +4584,9 @@
           <p:nvPr/>
         </p:nvCxnSpPr>
         <p:spPr>
-          <a:xfrm>
-            <a:off x="7812579" y="3467676"/>
-            <a:ext cx="1210345" cy="0"/>
+          <a:xfrm flipV="1">
+            <a:off x="7776894" y="3859802"/>
+            <a:ext cx="2321312" cy="9825"/>
           </a:xfrm>
           <a:prstGeom prst="straightConnector1">
             <a:avLst/>
@@ -4664,7 +4621,7 @@
         </p:nvSpPr>
         <p:spPr>
           <a:xfrm>
-            <a:off x="6915573" y="1484104"/>
+            <a:off x="7430152" y="1921536"/>
             <a:ext cx="1713848" cy="649601"/>
           </a:xfrm>
           <a:prstGeom prst="rect">
@@ -4742,7 +4699,7 @@
         </p:nvCxnSpPr>
         <p:spPr>
           <a:xfrm>
-            <a:off x="1729295" y="3236192"/>
+            <a:off x="1749576" y="3663888"/>
             <a:ext cx="5916759" cy="13456"/>
           </a:xfrm>
           <a:prstGeom prst="straightConnector1">
@@ -4830,7 +4787,7 @@
         </p:nvCxnSpPr>
         <p:spPr>
           <a:xfrm>
-            <a:off x="1755561" y="4947700"/>
+            <a:off x="1810988" y="5943600"/>
             <a:ext cx="5954056" cy="0"/>
           </a:xfrm>
           <a:prstGeom prst="straightConnector1">
@@ -4868,7 +4825,7 @@
         </p:nvSpPr>
         <p:spPr>
           <a:xfrm>
-            <a:off x="9602895" y="3249648"/>
+            <a:off x="7976991" y="4102252"/>
             <a:ext cx="1890156" cy="184666"/>
           </a:xfrm>
           <a:prstGeom prst="rect">
@@ -4903,7 +4860,7 @@
                   <a:srgbClr val="7030A0"/>
                 </a:solidFill>
               </a:rPr>
-              <a:t>getProjectWithName(project)</a:t>
+              <a:t>project</a:t>
             </a:r>
             <a:endParaRPr lang="en-US" sz="1200" dirty="0">
               <a:solidFill>
@@ -4915,45 +4872,6 @@
           </a:p>
         </p:txBody>
       </p:sp>
-      <p:cxnSp>
-        <p:nvCxnSpPr>
-          <p:cNvPr id="13" name="Curved Connector 12"/>
-          <p:cNvCxnSpPr/>
-          <p:nvPr/>
-        </p:nvCxnSpPr>
-        <p:spPr>
-          <a:xfrm rot="16200000" flipH="1">
-            <a:off x="9246064" y="3565239"/>
-            <a:ext cx="156923" cy="76200"/>
-          </a:xfrm>
-          <a:prstGeom prst="curvedConnector4">
-            <a:avLst>
-              <a:gd name="adj1" fmla="val -145677"/>
-              <a:gd name="adj2" fmla="val 400000"/>
-            </a:avLst>
-          </a:prstGeom>
-          <a:ln>
-            <a:solidFill>
-              <a:srgbClr val="7030A0"/>
-            </a:solidFill>
-            <a:tailEnd type="triangle"/>
-          </a:ln>
-        </p:spPr>
-        <p:style>
-          <a:lnRef idx="1">
-            <a:schemeClr val="accent1"/>
-          </a:lnRef>
-          <a:fillRef idx="0">
-            <a:schemeClr val="accent1"/>
-          </a:fillRef>
-          <a:effectRef idx="0">
-            <a:schemeClr val="accent1"/>
-          </a:effectRef>
-          <a:fontRef idx="minor">
-            <a:schemeClr val="tx1"/>
-          </a:fontRef>
-        </p:style>
-      </p:cxnSp>
       <p:cxnSp>
         <p:nvCxnSpPr>
           <p:cNvPr id="63" name="Straight Arrow Connector 62">
@@ -4971,8 +4889,8 @@
         </p:nvCxnSpPr>
         <p:spPr>
           <a:xfrm>
-            <a:off x="7754162" y="4750536"/>
-            <a:ext cx="1437714" cy="1"/>
+            <a:off x="7779520" y="4311444"/>
+            <a:ext cx="2357134" cy="0"/>
           </a:xfrm>
           <a:prstGeom prst="straightConnector1">
             <a:avLst/>
@@ -5015,7 +4933,7 @@
         </p:nvSpPr>
         <p:spPr>
           <a:xfrm>
-            <a:off x="5589169" y="1524417"/>
+            <a:off x="6254931" y="1465061"/>
             <a:ext cx="152400" cy="276003"/>
           </a:xfrm>
           <a:prstGeom prst="rect">
@@ -5068,7 +4986,7 @@
         </p:nvSpPr>
         <p:spPr>
           <a:xfrm>
-            <a:off x="5054317" y="973756"/>
+            <a:off x="5720079" y="914400"/>
             <a:ext cx="1747521" cy="675353"/>
           </a:xfrm>
           <a:prstGeom prst="rect">
@@ -5146,7 +5064,7 @@
         </p:nvCxnSpPr>
         <p:spPr>
           <a:xfrm>
-            <a:off x="5665369" y="1565290"/>
+            <a:off x="6331131" y="1577592"/>
             <a:ext cx="41536" cy="3082910"/>
           </a:xfrm>
           <a:prstGeom prst="line">
@@ -5189,8 +5107,8 @@
         </p:nvSpPr>
         <p:spPr>
           <a:xfrm>
-            <a:off x="5577510" y="1911884"/>
-            <a:ext cx="164059" cy="675349"/>
+            <a:off x="6277974" y="2194890"/>
+            <a:ext cx="148542" cy="995457"/>
           </a:xfrm>
           <a:prstGeom prst="rect">
             <a:avLst/>
@@ -5243,9 +5161,9 @@
           <p:nvPr/>
         </p:nvCxnSpPr>
         <p:spPr>
-          <a:xfrm flipV="1">
-            <a:off x="5741569" y="1928867"/>
-            <a:ext cx="1174004" cy="3542"/>
+          <a:xfrm>
+            <a:off x="6426516" y="2384751"/>
+            <a:ext cx="983265" cy="0"/>
           </a:xfrm>
           <a:prstGeom prst="straightConnector1">
             <a:avLst/>
@@ -5288,8 +5206,8 @@
         </p:nvCxnSpPr>
         <p:spPr>
           <a:xfrm>
-            <a:off x="5741569" y="2390601"/>
-            <a:ext cx="1968048" cy="0"/>
+            <a:off x="6426516" y="2839549"/>
+            <a:ext cx="1728895" cy="0"/>
           </a:xfrm>
           <a:prstGeom prst="straightConnector1">
             <a:avLst/>
@@ -5332,7 +5250,7 @@
         </p:nvSpPr>
         <p:spPr>
           <a:xfrm>
-            <a:off x="4307045" y="2337602"/>
+            <a:off x="4961320" y="2950769"/>
             <a:ext cx="925413" cy="215444"/>
           </a:xfrm>
           <a:prstGeom prst="rect">
@@ -5364,110 +5282,12 @@
           </a:p>
         </p:txBody>
       </p:sp>
-      <p:cxnSp>
-        <p:nvCxnSpPr>
-          <p:cNvPr id="52" name="Curved Connector 12">
+      <p:sp>
+        <p:nvSpPr>
+          <p:cNvPr id="57" name="TextBox 56">
             <a:extLst>
               <a:ext uri="{FF2B5EF4-FFF2-40B4-BE49-F238E27FC236}">
-                <a16:creationId xmlns:a16="http://schemas.microsoft.com/office/drawing/2014/main" id="{6902EE26-73DA-444C-9CFA-0E814B9B619B}"/>
-              </a:ext>
-            </a:extLst>
-          </p:cNvPr>
-          <p:cNvCxnSpPr/>
-          <p:nvPr/>
-        </p:nvCxnSpPr>
-        <p:spPr>
-          <a:xfrm rot="16200000" flipH="1">
-            <a:off x="9356541" y="4251990"/>
-            <a:ext cx="156923" cy="76200"/>
-          </a:xfrm>
-          <a:prstGeom prst="curvedConnector4">
-            <a:avLst>
-              <a:gd name="adj1" fmla="val -145677"/>
-              <a:gd name="adj2" fmla="val 400000"/>
-            </a:avLst>
-          </a:prstGeom>
-          <a:ln>
-            <a:solidFill>
-              <a:srgbClr val="7030A0"/>
-            </a:solidFill>
-            <a:tailEnd type="triangle"/>
-          </a:ln>
-        </p:spPr>
-        <p:style>
-          <a:lnRef idx="1">
-            <a:schemeClr val="accent1"/>
-          </a:lnRef>
-          <a:fillRef idx="0">
-            <a:schemeClr val="accent1"/>
-          </a:fillRef>
-          <a:effectRef idx="0">
-            <a:schemeClr val="accent1"/>
-          </a:effectRef>
-          <a:fontRef idx="minor">
-            <a:schemeClr val="tx1"/>
-          </a:fontRef>
-        </p:style>
-      </p:cxnSp>
-      <p:sp>
-        <p:nvSpPr>
-          <p:cNvPr id="54" name="Rectangle 53">
-            <a:extLst>
-              <a:ext uri="{FF2B5EF4-FFF2-40B4-BE49-F238E27FC236}">
-                <a16:creationId xmlns:a16="http://schemas.microsoft.com/office/drawing/2014/main" id="{73B4B3FF-E0D6-4876-9253-5A6E6C3708BD}"/>
-              </a:ext>
-            </a:extLst>
-          </p:cNvPr>
-          <p:cNvSpPr/>
-          <p:nvPr/>
-        </p:nvSpPr>
-        <p:spPr>
-          <a:xfrm>
-            <a:off x="9296400" y="4249638"/>
-            <a:ext cx="129933" cy="398562"/>
-          </a:xfrm>
-          <a:prstGeom prst="rect">
-            <a:avLst/>
-          </a:prstGeom>
-          <a:solidFill>
-            <a:srgbClr val="7030A0"/>
-          </a:solidFill>
-          <a:ln>
-            <a:solidFill>
-              <a:srgbClr val="7030A0"/>
-            </a:solidFill>
-          </a:ln>
-          <a:effectLst/>
-        </p:spPr>
-        <p:style>
-          <a:lnRef idx="1">
-            <a:schemeClr val="accent3"/>
-          </a:lnRef>
-          <a:fillRef idx="2">
-            <a:schemeClr val="accent3"/>
-          </a:fillRef>
-          <a:effectRef idx="1">
-            <a:schemeClr val="accent3"/>
-          </a:effectRef>
-          <a:fontRef idx="minor">
-            <a:schemeClr val="dk1"/>
-          </a:fontRef>
-        </p:style>
-        <p:txBody>
-          <a:bodyPr rtlCol="0" anchor="ctr"/>
-          <a:lstStyle/>
-          <a:p>
-            <a:pPr algn="ctr"/>
-            <a:endParaRPr lang="en-SG" sz="1400"/>
-          </a:p>
-        </p:txBody>
-      </p:sp>
-      <p:sp>
-        <p:nvSpPr>
-          <p:cNvPr id="55" name="TextBox 54">
-            <a:extLst>
-              <a:ext uri="{FF2B5EF4-FFF2-40B4-BE49-F238E27FC236}">
-                <a16:creationId xmlns:a16="http://schemas.microsoft.com/office/drawing/2014/main" id="{32736DC9-92C0-445E-A64D-7C8E9012A8B9}"/>
+                <a16:creationId xmlns:a16="http://schemas.microsoft.com/office/drawing/2014/main" id="{8688C83D-AEAF-40BB-95D7-4BB381125552}"/>
               </a:ext>
             </a:extLst>
           </p:cNvPr>
@@ -5476,16 +5296,13 @@
         </p:nvSpPr>
         <p:spPr>
           <a:xfrm>
-            <a:off x="9426333" y="3874783"/>
-            <a:ext cx="1890156" cy="184666"/>
+            <a:off x="7895885" y="3694723"/>
+            <a:ext cx="1931154" cy="184666"/>
           </a:xfrm>
           <a:prstGeom prst="rect">
             <a:avLst/>
           </a:prstGeom>
           <a:noFill/>
-          <a:ln>
-            <a:noFill/>
-          </a:ln>
         </p:spPr>
         <p:txBody>
           <a:bodyPr wrap="square" lIns="0" tIns="0" rIns="0" bIns="0" rtlCol="0">
@@ -5504,6 +5321,152 @@
             </a:lvl1pPr>
           </a:lstStyle>
           <a:p>
+            <a:r>
+              <a:rPr lang="en-US" sz="1200" dirty="0"/>
+              <a:t>getProjectWithName(project)</a:t>
+            </a:r>
+          </a:p>
+        </p:txBody>
+      </p:sp>
+      <p:sp>
+        <p:nvSpPr>
+          <p:cNvPr id="58" name="Rectangle 57">
+            <a:extLst>
+              <a:ext uri="{FF2B5EF4-FFF2-40B4-BE49-F238E27FC236}">
+                <a16:creationId xmlns:a16="http://schemas.microsoft.com/office/drawing/2014/main" id="{DC15809F-F82B-475E-A1D5-D8EC8B33A938}"/>
+              </a:ext>
+            </a:extLst>
+          </p:cNvPr>
+          <p:cNvSpPr/>
+          <p:nvPr/>
+        </p:nvSpPr>
+        <p:spPr>
+          <a:xfrm>
+            <a:off x="10051183" y="4645931"/>
+            <a:ext cx="133111" cy="459476"/>
+          </a:xfrm>
+          <a:prstGeom prst="rect">
+            <a:avLst/>
+          </a:prstGeom>
+          <a:solidFill>
+            <a:srgbClr val="7030A0"/>
+          </a:solidFill>
+          <a:ln>
+            <a:solidFill>
+              <a:srgbClr val="7030A0"/>
+            </a:solidFill>
+          </a:ln>
+          <a:effectLst/>
+        </p:spPr>
+        <p:style>
+          <a:lnRef idx="1">
+            <a:schemeClr val="accent3"/>
+          </a:lnRef>
+          <a:fillRef idx="2">
+            <a:schemeClr val="accent3"/>
+          </a:fillRef>
+          <a:effectRef idx="1">
+            <a:schemeClr val="accent3"/>
+          </a:effectRef>
+          <a:fontRef idx="minor">
+            <a:schemeClr val="dk1"/>
+          </a:fontRef>
+        </p:style>
+        <p:txBody>
+          <a:bodyPr rtlCol="0" anchor="ctr"/>
+          <a:lstStyle/>
+          <a:p>
+            <a:pPr algn="ctr"/>
+            <a:endParaRPr lang="en-SG" sz="1400"/>
+          </a:p>
+        </p:txBody>
+      </p:sp>
+      <p:cxnSp>
+        <p:nvCxnSpPr>
+          <p:cNvPr id="59" name="Straight Arrow Connector 58">
+            <a:extLst>
+              <a:ext uri="{FF2B5EF4-FFF2-40B4-BE49-F238E27FC236}">
+                <a16:creationId xmlns:a16="http://schemas.microsoft.com/office/drawing/2014/main" id="{8EF54207-DAC3-4E9D-9760-214334163B14}"/>
+              </a:ext>
+            </a:extLst>
+          </p:cNvPr>
+          <p:cNvCxnSpPr>
+            <a:cxnSpLocks/>
+          </p:cNvCxnSpPr>
+          <p:nvPr/>
+        </p:nvCxnSpPr>
+        <p:spPr>
+          <a:xfrm>
+            <a:off x="7790922" y="4648207"/>
+            <a:ext cx="2267478" cy="0"/>
+          </a:xfrm>
+          <a:prstGeom prst="straightConnector1">
+            <a:avLst/>
+          </a:prstGeom>
+          <a:ln w="19050">
+            <a:solidFill>
+              <a:srgbClr val="0070C0"/>
+            </a:solidFill>
+            <a:tailEnd type="arrow"/>
+          </a:ln>
+        </p:spPr>
+        <p:style>
+          <a:lnRef idx="1">
+            <a:schemeClr val="accent1"/>
+          </a:lnRef>
+          <a:fillRef idx="0">
+            <a:schemeClr val="accent1"/>
+          </a:fillRef>
+          <a:effectRef idx="0">
+            <a:schemeClr val="accent1"/>
+          </a:effectRef>
+          <a:fontRef idx="minor">
+            <a:schemeClr val="tx1"/>
+          </a:fontRef>
+        </p:style>
+      </p:cxnSp>
+      <p:sp>
+        <p:nvSpPr>
+          <p:cNvPr id="60" name="TextBox 59">
+            <a:extLst>
+              <a:ext uri="{FF2B5EF4-FFF2-40B4-BE49-F238E27FC236}">
+                <a16:creationId xmlns:a16="http://schemas.microsoft.com/office/drawing/2014/main" id="{674EFF5B-5274-41D3-9510-C21396EB03F8}"/>
+              </a:ext>
+            </a:extLst>
+          </p:cNvPr>
+          <p:cNvSpPr txBox="1"/>
+          <p:nvPr/>
+        </p:nvSpPr>
+        <p:spPr>
+          <a:xfrm>
+            <a:off x="8031725" y="4866325"/>
+            <a:ext cx="1890156" cy="184666"/>
+          </a:xfrm>
+          <a:prstGeom prst="rect">
+            <a:avLst/>
+          </a:prstGeom>
+          <a:noFill/>
+          <a:ln>
+            <a:noFill/>
+          </a:ln>
+        </p:spPr>
+        <p:txBody>
+          <a:bodyPr wrap="square" lIns="0" tIns="0" rIns="0" bIns="0" rtlCol="0">
+            <a:spAutoFit/>
+          </a:bodyPr>
+          <a:lstStyle>
+            <a:defPPr>
+              <a:defRPr lang="en-US"/>
+            </a:defPPr>
+            <a:lvl1pPr algn="r">
+              <a:defRPr sz="1400">
+                <a:solidFill>
+                  <a:srgbClr val="0070C0"/>
+                </a:solidFill>
+              </a:defRPr>
+            </a:lvl1pPr>
+          </a:lstStyle>
+          <a:p>
             <a:pPr algn="ctr"/>
             <a:r>
               <a:rPr lang="en-US" sz="1200" dirty="0">
@@ -5511,7 +5474,7 @@
                   <a:srgbClr val="7030A0"/>
                 </a:solidFill>
               </a:rPr>
-              <a:t>updateStatus(status)</a:t>
+              <a:t>user story</a:t>
             </a:r>
             <a:endParaRPr lang="en-US" sz="1200" dirty="0">
               <a:solidFill>
@@ -5520,6 +5483,427 @@
                 </a:schemeClr>
               </a:solidFill>
             </a:endParaRPr>
+          </a:p>
+        </p:txBody>
+      </p:sp>
+      <p:cxnSp>
+        <p:nvCxnSpPr>
+          <p:cNvPr id="61" name="Straight Arrow Connector 60">
+            <a:extLst>
+              <a:ext uri="{FF2B5EF4-FFF2-40B4-BE49-F238E27FC236}">
+                <a16:creationId xmlns:a16="http://schemas.microsoft.com/office/drawing/2014/main" id="{993E294B-FAC3-4FAE-B3AF-0C3CA37A4786}"/>
+              </a:ext>
+            </a:extLst>
+          </p:cNvPr>
+          <p:cNvCxnSpPr>
+            <a:cxnSpLocks/>
+            <a:endCxn id="58" idx="2"/>
+          </p:cNvCxnSpPr>
+          <p:nvPr/>
+        </p:nvCxnSpPr>
+        <p:spPr>
+          <a:xfrm>
+            <a:off x="7783954" y="5081116"/>
+            <a:ext cx="2333785" cy="24291"/>
+          </a:xfrm>
+          <a:prstGeom prst="straightConnector1">
+            <a:avLst/>
+          </a:prstGeom>
+          <a:ln w="19050">
+            <a:solidFill>
+              <a:srgbClr val="7030A0"/>
+            </a:solidFill>
+            <a:prstDash val="sysDash"/>
+            <a:headEnd type="arrow" w="med" len="med"/>
+            <a:tailEnd type="none" w="med" len="med"/>
+          </a:ln>
+        </p:spPr>
+        <p:style>
+          <a:lnRef idx="1">
+            <a:schemeClr val="accent1"/>
+          </a:lnRef>
+          <a:fillRef idx="0">
+            <a:schemeClr val="accent1"/>
+          </a:fillRef>
+          <a:effectRef idx="0">
+            <a:schemeClr val="accent1"/>
+          </a:effectRef>
+          <a:fontRef idx="minor">
+            <a:schemeClr val="tx1"/>
+          </a:fontRef>
+        </p:style>
+      </p:cxnSp>
+      <p:sp>
+        <p:nvSpPr>
+          <p:cNvPr id="62" name="TextBox 61">
+            <a:extLst>
+              <a:ext uri="{FF2B5EF4-FFF2-40B4-BE49-F238E27FC236}">
+                <a16:creationId xmlns:a16="http://schemas.microsoft.com/office/drawing/2014/main" id="{14E249B7-DD4B-4B5A-825F-6102E9670E25}"/>
+              </a:ext>
+            </a:extLst>
+          </p:cNvPr>
+          <p:cNvSpPr txBox="1"/>
+          <p:nvPr/>
+        </p:nvSpPr>
+        <p:spPr>
+          <a:xfrm>
+            <a:off x="7627763" y="4424507"/>
+            <a:ext cx="2003315" cy="184666"/>
+          </a:xfrm>
+          <a:prstGeom prst="rect">
+            <a:avLst/>
+          </a:prstGeom>
+          <a:noFill/>
+        </p:spPr>
+        <p:txBody>
+          <a:bodyPr wrap="square" lIns="0" tIns="0" rIns="0" bIns="0" rtlCol="0">
+            <a:spAutoFit/>
+          </a:bodyPr>
+          <a:lstStyle>
+            <a:defPPr>
+              <a:defRPr lang="en-US"/>
+            </a:defPPr>
+            <a:lvl1pPr algn="r">
+              <a:defRPr sz="1400">
+                <a:solidFill>
+                  <a:srgbClr val="0070C0"/>
+                </a:solidFill>
+              </a:defRPr>
+            </a:lvl1pPr>
+          </a:lstStyle>
+          <a:p>
+            <a:r>
+              <a:rPr lang="en-US" sz="1200" dirty="0"/>
+              <a:t>userStoriesList.get(1)</a:t>
+            </a:r>
+          </a:p>
+        </p:txBody>
+      </p:sp>
+      <p:sp>
+        <p:nvSpPr>
+          <p:cNvPr id="68" name="Rectangle 67">
+            <a:extLst>
+              <a:ext uri="{FF2B5EF4-FFF2-40B4-BE49-F238E27FC236}">
+                <a16:creationId xmlns:a16="http://schemas.microsoft.com/office/drawing/2014/main" id="{EB45937B-362F-40E3-9EBB-B5475364E438}"/>
+              </a:ext>
+            </a:extLst>
+          </p:cNvPr>
+          <p:cNvSpPr/>
+          <p:nvPr/>
+        </p:nvSpPr>
+        <p:spPr>
+          <a:xfrm>
+            <a:off x="10065604" y="5331731"/>
+            <a:ext cx="133111" cy="459476"/>
+          </a:xfrm>
+          <a:prstGeom prst="rect">
+            <a:avLst/>
+          </a:prstGeom>
+          <a:solidFill>
+            <a:srgbClr val="7030A0"/>
+          </a:solidFill>
+          <a:ln>
+            <a:solidFill>
+              <a:srgbClr val="7030A0"/>
+            </a:solidFill>
+          </a:ln>
+          <a:effectLst/>
+        </p:spPr>
+        <p:style>
+          <a:lnRef idx="1">
+            <a:schemeClr val="accent3"/>
+          </a:lnRef>
+          <a:fillRef idx="2">
+            <a:schemeClr val="accent3"/>
+          </a:fillRef>
+          <a:effectRef idx="1">
+            <a:schemeClr val="accent3"/>
+          </a:effectRef>
+          <a:fontRef idx="minor">
+            <a:schemeClr val="dk1"/>
+          </a:fontRef>
+        </p:style>
+        <p:txBody>
+          <a:bodyPr rtlCol="0" anchor="ctr"/>
+          <a:lstStyle/>
+          <a:p>
+            <a:pPr algn="ctr"/>
+            <a:endParaRPr lang="en-SG" sz="1400"/>
+          </a:p>
+        </p:txBody>
+      </p:sp>
+      <p:cxnSp>
+        <p:nvCxnSpPr>
+          <p:cNvPr id="70" name="Straight Arrow Connector 69">
+            <a:extLst>
+              <a:ext uri="{FF2B5EF4-FFF2-40B4-BE49-F238E27FC236}">
+                <a16:creationId xmlns:a16="http://schemas.microsoft.com/office/drawing/2014/main" id="{25A3D363-972F-47B7-8931-4B1C1AB03873}"/>
+              </a:ext>
+            </a:extLst>
+          </p:cNvPr>
+          <p:cNvCxnSpPr>
+            <a:cxnSpLocks/>
+          </p:cNvCxnSpPr>
+          <p:nvPr/>
+        </p:nvCxnSpPr>
+        <p:spPr>
+          <a:xfrm flipV="1">
+            <a:off x="7772400" y="5339565"/>
+            <a:ext cx="2321312" cy="9825"/>
+          </a:xfrm>
+          <a:prstGeom prst="straightConnector1">
+            <a:avLst/>
+          </a:prstGeom>
+          <a:ln w="19050">
+            <a:solidFill>
+              <a:srgbClr val="0070C0"/>
+            </a:solidFill>
+            <a:tailEnd type="arrow"/>
+          </a:ln>
+        </p:spPr>
+        <p:style>
+          <a:lnRef idx="1">
+            <a:schemeClr val="accent1"/>
+          </a:lnRef>
+          <a:fillRef idx="0">
+            <a:schemeClr val="accent1"/>
+          </a:fillRef>
+          <a:effectRef idx="0">
+            <a:schemeClr val="accent1"/>
+          </a:effectRef>
+          <a:fontRef idx="minor">
+            <a:schemeClr val="tx1"/>
+          </a:fontRef>
+        </p:style>
+      </p:cxnSp>
+      <p:cxnSp>
+        <p:nvCxnSpPr>
+          <p:cNvPr id="72" name="Straight Arrow Connector 71">
+            <a:extLst>
+              <a:ext uri="{FF2B5EF4-FFF2-40B4-BE49-F238E27FC236}">
+                <a16:creationId xmlns:a16="http://schemas.microsoft.com/office/drawing/2014/main" id="{5B92CE47-6ECB-42FF-973F-5FCAF26AD1D5}"/>
+              </a:ext>
+            </a:extLst>
+          </p:cNvPr>
+          <p:cNvCxnSpPr>
+            <a:cxnSpLocks/>
+            <a:endCxn id="68" idx="2"/>
+          </p:cNvCxnSpPr>
+          <p:nvPr/>
+        </p:nvCxnSpPr>
+        <p:spPr>
+          <a:xfrm>
+            <a:off x="7775026" y="5791207"/>
+            <a:ext cx="2357134" cy="0"/>
+          </a:xfrm>
+          <a:prstGeom prst="straightConnector1">
+            <a:avLst/>
+          </a:prstGeom>
+          <a:ln w="19050">
+            <a:solidFill>
+              <a:srgbClr val="7030A0"/>
+            </a:solidFill>
+            <a:prstDash val="sysDash"/>
+            <a:headEnd type="arrow" w="med" len="med"/>
+            <a:tailEnd type="none" w="med" len="med"/>
+          </a:ln>
+        </p:spPr>
+        <p:style>
+          <a:lnRef idx="1">
+            <a:schemeClr val="accent1"/>
+          </a:lnRef>
+          <a:fillRef idx="0">
+            <a:schemeClr val="accent1"/>
+          </a:fillRef>
+          <a:effectRef idx="0">
+            <a:schemeClr val="accent1"/>
+          </a:effectRef>
+          <a:fontRef idx="minor">
+            <a:schemeClr val="tx1"/>
+          </a:fontRef>
+        </p:style>
+      </p:cxnSp>
+      <p:sp>
+        <p:nvSpPr>
+          <p:cNvPr id="73" name="TextBox 72">
+            <a:extLst>
+              <a:ext uri="{FF2B5EF4-FFF2-40B4-BE49-F238E27FC236}">
+                <a16:creationId xmlns:a16="http://schemas.microsoft.com/office/drawing/2014/main" id="{3E4FB949-D8F1-47AE-9322-EAD6E8980107}"/>
+              </a:ext>
+            </a:extLst>
+          </p:cNvPr>
+          <p:cNvSpPr txBox="1"/>
+          <p:nvPr/>
+        </p:nvSpPr>
+        <p:spPr>
+          <a:xfrm>
+            <a:off x="7678106" y="5149511"/>
+            <a:ext cx="1931154" cy="184666"/>
+          </a:xfrm>
+          <a:prstGeom prst="rect">
+            <a:avLst/>
+          </a:prstGeom>
+          <a:noFill/>
+        </p:spPr>
+        <p:txBody>
+          <a:bodyPr wrap="square" lIns="0" tIns="0" rIns="0" bIns="0" rtlCol="0">
+            <a:spAutoFit/>
+          </a:bodyPr>
+          <a:lstStyle>
+            <a:defPPr>
+              <a:defRPr lang="en-US"/>
+            </a:defPPr>
+            <a:lvl1pPr algn="r">
+              <a:defRPr sz="1400">
+                <a:solidFill>
+                  <a:srgbClr val="0070C0"/>
+                </a:solidFill>
+              </a:defRPr>
+            </a:lvl1pPr>
+          </a:lstStyle>
+          <a:p>
+            <a:r>
+              <a:rPr lang="en-US" sz="1200" dirty="0"/>
+              <a:t>updateStatus(status)</a:t>
+            </a:r>
+          </a:p>
+        </p:txBody>
+      </p:sp>
+      <p:cxnSp>
+        <p:nvCxnSpPr>
+          <p:cNvPr id="52" name="Straight Arrow Connector 51">
+            <a:extLst>
+              <a:ext uri="{FF2B5EF4-FFF2-40B4-BE49-F238E27FC236}">
+                <a16:creationId xmlns:a16="http://schemas.microsoft.com/office/drawing/2014/main" id="{95DD4F9F-21D2-48E5-915E-37AEBFDD6F55}"/>
+              </a:ext>
+            </a:extLst>
+          </p:cNvPr>
+          <p:cNvCxnSpPr>
+            <a:cxnSpLocks/>
+            <a:endCxn id="45" idx="2"/>
+          </p:cNvCxnSpPr>
+          <p:nvPr/>
+        </p:nvCxnSpPr>
+        <p:spPr>
+          <a:xfrm>
+            <a:off x="4162390" y="1741064"/>
+            <a:ext cx="2168741" cy="0"/>
+          </a:xfrm>
+          <a:prstGeom prst="straightConnector1">
+            <a:avLst/>
+          </a:prstGeom>
+          <a:ln w="19050">
+            <a:solidFill>
+              <a:srgbClr val="0070C0"/>
+            </a:solidFill>
+            <a:prstDash val="sysDash"/>
+            <a:headEnd type="arrow" w="med" len="med"/>
+            <a:tailEnd type="none" w="med" len="med"/>
+          </a:ln>
+        </p:spPr>
+        <p:style>
+          <a:lnRef idx="1">
+            <a:schemeClr val="accent1"/>
+          </a:lnRef>
+          <a:fillRef idx="0">
+            <a:schemeClr val="accent1"/>
+          </a:fillRef>
+          <a:effectRef idx="0">
+            <a:schemeClr val="accent1"/>
+          </a:effectRef>
+          <a:fontRef idx="minor">
+            <a:schemeClr val="tx1"/>
+          </a:fontRef>
+        </p:style>
+      </p:cxnSp>
+      <p:cxnSp>
+        <p:nvCxnSpPr>
+          <p:cNvPr id="64" name="Straight Arrow Connector 63">
+            <a:extLst>
+              <a:ext uri="{FF2B5EF4-FFF2-40B4-BE49-F238E27FC236}">
+                <a16:creationId xmlns:a16="http://schemas.microsoft.com/office/drawing/2014/main" id="{F684DECD-45E8-4577-8AF1-83C94D02D465}"/>
+              </a:ext>
+            </a:extLst>
+          </p:cNvPr>
+          <p:cNvCxnSpPr>
+            <a:cxnSpLocks/>
+          </p:cNvCxnSpPr>
+          <p:nvPr/>
+        </p:nvCxnSpPr>
+        <p:spPr>
+          <a:xfrm>
+            <a:off x="4178689" y="2209799"/>
+            <a:ext cx="2145911" cy="1"/>
+          </a:xfrm>
+          <a:prstGeom prst="straightConnector1">
+            <a:avLst/>
+          </a:prstGeom>
+          <a:ln w="19050">
+            <a:solidFill>
+              <a:srgbClr val="0070C0"/>
+            </a:solidFill>
+            <a:tailEnd type="arrow"/>
+          </a:ln>
+        </p:spPr>
+        <p:style>
+          <a:lnRef idx="1">
+            <a:schemeClr val="accent1"/>
+          </a:lnRef>
+          <a:fillRef idx="0">
+            <a:schemeClr val="accent1"/>
+          </a:fillRef>
+          <a:effectRef idx="0">
+            <a:schemeClr val="accent1"/>
+          </a:effectRef>
+          <a:fontRef idx="minor">
+            <a:schemeClr val="tx1"/>
+          </a:fontRef>
+        </p:style>
+      </p:cxnSp>
+      <p:sp>
+        <p:nvSpPr>
+          <p:cNvPr id="71" name="TextBox 70">
+            <a:extLst>
+              <a:ext uri="{FF2B5EF4-FFF2-40B4-BE49-F238E27FC236}">
+                <a16:creationId xmlns:a16="http://schemas.microsoft.com/office/drawing/2014/main" id="{347131D1-B609-4A26-B636-B38B4F39A9C8}"/>
+              </a:ext>
+            </a:extLst>
+          </p:cNvPr>
+          <p:cNvSpPr txBox="1"/>
+          <p:nvPr/>
+        </p:nvSpPr>
+        <p:spPr>
+          <a:xfrm>
+            <a:off x="4030209" y="1956524"/>
+            <a:ext cx="2278661" cy="430887"/>
+          </a:xfrm>
+          <a:prstGeom prst="rect">
+            <a:avLst/>
+          </a:prstGeom>
+          <a:noFill/>
+        </p:spPr>
+        <p:txBody>
+          <a:bodyPr wrap="square" lIns="0" tIns="0" rIns="0" bIns="0" rtlCol="0">
+            <a:spAutoFit/>
+          </a:bodyPr>
+          <a:lstStyle>
+            <a:defPPr>
+              <a:defRPr lang="en-US"/>
+            </a:defPPr>
+            <a:lvl1pPr algn="r">
+              <a:defRPr sz="1400">
+                <a:solidFill>
+                  <a:srgbClr val="0070C0"/>
+                </a:solidFill>
+              </a:defRPr>
+            </a:lvl1pPr>
+          </a:lstStyle>
+          <a:p>
+            <a:pPr algn="ctr"/>
+            <a:r>
+              <a:rPr lang="en-US" dirty="0"/>
+              <a:t>parse (“Apollo userstory 1 ongoing”)</a:t>
+            </a:r>
           </a:p>
         </p:txBody>
       </p:sp>
